--- a/2018-2019/ABC Autobewaking/Documenten/Presentatie.pptx
+++ b/2018-2019/ABC Autobewaking/Documenten/Presentatie.pptx
@@ -8,9 +8,9 @@
     <p:sldId id="256" r:id="rId2"/>
     <p:sldId id="257" r:id="rId3"/>
     <p:sldId id="258" r:id="rId4"/>
-    <p:sldId id="259" r:id="rId5"/>
-    <p:sldId id="260" r:id="rId6"/>
-    <p:sldId id="261" r:id="rId7"/>
+    <p:sldId id="260" r:id="rId5"/>
+    <p:sldId id="261" r:id="rId6"/>
+    <p:sldId id="259" r:id="rId7"/>
     <p:sldId id="262" r:id="rId8"/>
   </p:sldIdLst>
   <p:sldSz cx="12192000" cy="6858000"/>
@@ -842,7 +842,7 @@
           <a:p>
             <a:fld id="{FAE4F1FE-9B32-4E49-88BD-21B795AF5322}" type="datetimeFigureOut">
               <a:rPr lang="nl-NL" smtClean="0"/>
-              <a:t>19-3-2019</a:t>
+              <a:t>30-3-2019</a:t>
             </a:fld>
             <a:endParaRPr lang="nl-NL"/>
           </a:p>
@@ -1093,7 +1093,7 @@
           <a:p>
             <a:fld id="{FAE4F1FE-9B32-4E49-88BD-21B795AF5322}" type="datetimeFigureOut">
               <a:rPr lang="nl-NL" smtClean="0"/>
-              <a:t>19-3-2019</a:t>
+              <a:t>30-3-2019</a:t>
             </a:fld>
             <a:endParaRPr lang="nl-NL"/>
           </a:p>
@@ -1407,7 +1407,7 @@
           <a:p>
             <a:fld id="{FAE4F1FE-9B32-4E49-88BD-21B795AF5322}" type="datetimeFigureOut">
               <a:rPr lang="nl-NL" smtClean="0"/>
-              <a:t>19-3-2019</a:t>
+              <a:t>30-3-2019</a:t>
             </a:fld>
             <a:endParaRPr lang="nl-NL"/>
           </a:p>
@@ -1734,7 +1734,7 @@
           <a:p>
             <a:fld id="{FAE4F1FE-9B32-4E49-88BD-21B795AF5322}" type="datetimeFigureOut">
               <a:rPr lang="nl-NL" smtClean="0"/>
-              <a:t>19-3-2019</a:t>
+              <a:t>30-3-2019</a:t>
             </a:fld>
             <a:endParaRPr lang="nl-NL"/>
           </a:p>
@@ -2048,7 +2048,7 @@
           <a:p>
             <a:fld id="{FAE4F1FE-9B32-4E49-88BD-21B795AF5322}" type="datetimeFigureOut">
               <a:rPr lang="nl-NL" smtClean="0"/>
-              <a:t>19-3-2019</a:t>
+              <a:t>30-3-2019</a:t>
             </a:fld>
             <a:endParaRPr lang="nl-NL"/>
           </a:p>
@@ -2435,7 +2435,7 @@
           <a:p>
             <a:fld id="{FAE4F1FE-9B32-4E49-88BD-21B795AF5322}" type="datetimeFigureOut">
               <a:rPr lang="nl-NL" smtClean="0"/>
-              <a:t>19-3-2019</a:t>
+              <a:t>30-3-2019</a:t>
             </a:fld>
             <a:endParaRPr lang="nl-NL"/>
           </a:p>
@@ -2605,7 +2605,7 @@
           <a:p>
             <a:fld id="{FAE4F1FE-9B32-4E49-88BD-21B795AF5322}" type="datetimeFigureOut">
               <a:rPr lang="nl-NL" smtClean="0"/>
-              <a:t>19-3-2019</a:t>
+              <a:t>30-3-2019</a:t>
             </a:fld>
             <a:endParaRPr lang="nl-NL"/>
           </a:p>
@@ -2785,7 +2785,7 @@
           <a:p>
             <a:fld id="{FAE4F1FE-9B32-4E49-88BD-21B795AF5322}" type="datetimeFigureOut">
               <a:rPr lang="nl-NL" smtClean="0"/>
-              <a:t>19-3-2019</a:t>
+              <a:t>30-3-2019</a:t>
             </a:fld>
             <a:endParaRPr lang="nl-NL"/>
           </a:p>
@@ -2961,7 +2961,7 @@
           <a:p>
             <a:fld id="{FAE4F1FE-9B32-4E49-88BD-21B795AF5322}" type="datetimeFigureOut">
               <a:rPr lang="nl-NL" smtClean="0"/>
-              <a:t>19-3-2019</a:t>
+              <a:t>30-3-2019</a:t>
             </a:fld>
             <a:endParaRPr lang="nl-NL"/>
           </a:p>
@@ -3208,7 +3208,7 @@
           <a:p>
             <a:fld id="{FAE4F1FE-9B32-4E49-88BD-21B795AF5322}" type="datetimeFigureOut">
               <a:rPr lang="nl-NL" smtClean="0"/>
-              <a:t>19-3-2019</a:t>
+              <a:t>30-3-2019</a:t>
             </a:fld>
             <a:endParaRPr lang="nl-NL"/>
           </a:p>
@@ -3440,7 +3440,7 @@
           <a:p>
             <a:fld id="{FAE4F1FE-9B32-4E49-88BD-21B795AF5322}" type="datetimeFigureOut">
               <a:rPr lang="nl-NL" smtClean="0"/>
-              <a:t>19-3-2019</a:t>
+              <a:t>30-3-2019</a:t>
             </a:fld>
             <a:endParaRPr lang="nl-NL"/>
           </a:p>
@@ -3814,7 +3814,7 @@
           <a:p>
             <a:fld id="{FAE4F1FE-9B32-4E49-88BD-21B795AF5322}" type="datetimeFigureOut">
               <a:rPr lang="nl-NL" smtClean="0"/>
-              <a:t>19-3-2019</a:t>
+              <a:t>30-3-2019</a:t>
             </a:fld>
             <a:endParaRPr lang="nl-NL"/>
           </a:p>
@@ -3937,7 +3937,7 @@
           <a:p>
             <a:fld id="{FAE4F1FE-9B32-4E49-88BD-21B795AF5322}" type="datetimeFigureOut">
               <a:rPr lang="nl-NL" smtClean="0"/>
-              <a:t>19-3-2019</a:t>
+              <a:t>30-3-2019</a:t>
             </a:fld>
             <a:endParaRPr lang="nl-NL"/>
           </a:p>
@@ -4032,7 +4032,7 @@
           <a:p>
             <a:fld id="{FAE4F1FE-9B32-4E49-88BD-21B795AF5322}" type="datetimeFigureOut">
               <a:rPr lang="nl-NL" smtClean="0"/>
-              <a:t>19-3-2019</a:t>
+              <a:t>30-3-2019</a:t>
             </a:fld>
             <a:endParaRPr lang="nl-NL"/>
           </a:p>
@@ -4287,7 +4287,7 @@
           <a:p>
             <a:fld id="{FAE4F1FE-9B32-4E49-88BD-21B795AF5322}" type="datetimeFigureOut">
               <a:rPr lang="nl-NL" smtClean="0"/>
-              <a:t>19-3-2019</a:t>
+              <a:t>30-3-2019</a:t>
             </a:fld>
             <a:endParaRPr lang="nl-NL"/>
           </a:p>
@@ -4550,7 +4550,7 @@
           <a:p>
             <a:fld id="{FAE4F1FE-9B32-4E49-88BD-21B795AF5322}" type="datetimeFigureOut">
               <a:rPr lang="nl-NL" smtClean="0"/>
-              <a:t>19-3-2019</a:t>
+              <a:t>30-3-2019</a:t>
             </a:fld>
             <a:endParaRPr lang="nl-NL"/>
           </a:p>
@@ -5295,7 +5295,7 @@
           <a:p>
             <a:fld id="{FAE4F1FE-9B32-4E49-88BD-21B795AF5322}" type="datetimeFigureOut">
               <a:rPr lang="nl-NL" smtClean="0"/>
-              <a:t>19-3-2019</a:t>
+              <a:t>30-3-2019</a:t>
             </a:fld>
             <a:endParaRPr lang="nl-NL"/>
           </a:p>
@@ -5835,7 +5835,12 @@
             <p:ph type="ctrTitle"/>
           </p:nvPr>
         </p:nvSpPr>
-        <p:spPr/>
+        <p:spPr>
+          <a:xfrm>
+            <a:off x="1507067" y="2300372"/>
+            <a:ext cx="7766936" cy="910821"/>
+          </a:xfrm>
+        </p:spPr>
         <p:txBody>
           <a:bodyPr/>
           <a:lstStyle/>
@@ -5863,14 +5868,35 @@
             <p:ph type="subTitle" idx="1"/>
           </p:nvPr>
         </p:nvSpPr>
-        <p:spPr/>
+        <p:spPr>
+          <a:xfrm>
+            <a:off x="2524984" y="4050836"/>
+            <a:ext cx="6860556" cy="975492"/>
+          </a:xfrm>
+        </p:spPr>
         <p:txBody>
           <a:bodyPr/>
           <a:lstStyle/>
           <a:p>
+            <a:pPr algn="l"/>
             <a:r>
               <a:rPr lang="nl-NL" i="1" dirty="0"/>
-              <a:t>Gemaakt door the Abc-team: Justin Faas, Dominique van Dijk, Kaynean Ancher, Dylan Geers</a:t>
+              <a:t>Gemaakt door the Abc-team:	Justin Faas, Dominique van Dijk,</a:t>
+            </a:r>
+          </a:p>
+          <a:p>
+            <a:pPr algn="l"/>
+            <a:r>
+              <a:rPr lang="nl-NL" i="1" dirty="0"/>
+              <a:t>							</a:t>
+            </a:r>
+            <a:r>
+              <a:rPr lang="nl-NL" i="1" dirty="0" err="1"/>
+              <a:t>Kaynean</a:t>
+            </a:r>
+            <a:r>
+              <a:rPr lang="nl-NL" i="1" dirty="0"/>
+              <a:t> Ancher, Dylan Geers</a:t>
             </a:r>
           </a:p>
         </p:txBody>
@@ -6027,7 +6053,7 @@
           <a:p>
             <a:r>
               <a:rPr lang="nl-NL" dirty="0"/>
-              <a:t>project</a:t>
+              <a:t>Waarom een Abc-systeem</a:t>
             </a:r>
           </a:p>
         </p:txBody>
@@ -6057,13 +6083,22 @@
           <a:p>
             <a:r>
               <a:rPr lang="nl-NL" sz="2400" dirty="0"/>
-              <a:t>Per jaar overleiden er ongeveer 37 zuigelingen in auto’s wat wij veel te veel vinden daarom hebben we dit bedacht. </a:t>
+              <a:t>Per jaar overleiden er wereldwijd ongeveer 37 zuigelingen, achtergelaten in hete auto’s</a:t>
             </a:r>
           </a:p>
           <a:p>
             <a:r>
               <a:rPr lang="nl-NL" sz="2400" dirty="0"/>
-              <a:t>Om dit te voorkomen hebben we dit bedacht.</a:t>
+              <a:t>Ook veel dierenleed</a:t>
+            </a:r>
+          </a:p>
+          <a:p>
+            <a:endParaRPr lang="nl-NL" sz="2400" dirty="0"/>
+          </a:p>
+          <a:p>
+            <a:r>
+              <a:rPr lang="nl-NL" sz="2400" dirty="0"/>
+              <a:t>Ons systeem kan dit voorkomen</a:t>
             </a:r>
           </a:p>
         </p:txBody>
@@ -6103,7 +6138,7 @@
           <p:cNvPr id="2" name="Titel 1">
             <a:extLst>
               <a:ext uri="{FF2B5EF4-FFF2-40B4-BE49-F238E27FC236}">
-                <a16:creationId xmlns:a16="http://schemas.microsoft.com/office/drawing/2014/main" id="{CDBDFFC9-D0D0-40EB-9FAD-FEF80588C37D}"/>
+                <a16:creationId xmlns:a16="http://schemas.microsoft.com/office/drawing/2014/main" id="{163D1CD3-A2C5-44AB-92E8-6A4180211AC5}"/>
               </a:ext>
             </a:extLst>
           </p:cNvPr>
@@ -6114,14 +6149,19 @@
             <p:ph type="title"/>
           </p:nvPr>
         </p:nvSpPr>
-        <p:spPr/>
+        <p:spPr>
+          <a:xfrm>
+            <a:off x="677334" y="609600"/>
+            <a:ext cx="8596668" cy="1320800"/>
+          </a:xfrm>
+        </p:spPr>
         <p:txBody>
           <a:bodyPr/>
           <a:lstStyle/>
           <a:p>
             <a:r>
               <a:rPr lang="nl-NL" dirty="0"/>
-              <a:t>Wie heeft wat gedaan</a:t>
+              <a:t>Waarom kiest een fabrikant hiervoor?</a:t>
             </a:r>
           </a:p>
         </p:txBody>
@@ -6131,7 +6171,7 @@
           <p:cNvPr id="3" name="Tijdelijke aanduiding voor inhoud 2">
             <a:extLst>
               <a:ext uri="{FF2B5EF4-FFF2-40B4-BE49-F238E27FC236}">
-                <a16:creationId xmlns:a16="http://schemas.microsoft.com/office/drawing/2014/main" id="{F117218F-3DC1-49C4-8EF1-3BB5FF790899}"/>
+                <a16:creationId xmlns:a16="http://schemas.microsoft.com/office/drawing/2014/main" id="{04C55983-3D7E-4325-B64D-EB709038FC67}"/>
               </a:ext>
             </a:extLst>
           </p:cNvPr>
@@ -6144,8 +6184,8 @@
         </p:nvSpPr>
         <p:spPr>
           <a:xfrm>
-            <a:off x="677334" y="1930400"/>
-            <a:ext cx="8596668" cy="3880773"/>
+            <a:off x="677334" y="2160589"/>
+            <a:ext cx="8596668" cy="2250385"/>
           </a:xfrm>
         </p:spPr>
         <p:txBody>
@@ -6154,26 +6194,30 @@
           <a:p>
             <a:r>
               <a:rPr lang="nl-NL" sz="2400" dirty="0"/>
-              <a:t>Dominique: heeft de bank gemaakt en geverfd.</a:t>
+              <a:t>Het Abc-systeem is gemakkelijk te installeren</a:t>
             </a:r>
           </a:p>
           <a:p>
             <a:r>
               <a:rPr lang="nl-NL" sz="2400" dirty="0"/>
-              <a:t>Justin: heeft gesoldeerd. </a:t>
+              <a:t>Je maakt gebruik van sensoren die al in de auto zitten</a:t>
             </a:r>
           </a:p>
           <a:p>
             <a:r>
               <a:rPr lang="nl-NL" sz="2400" dirty="0"/>
-              <a:t>Dylan &amp; Kaynean: hebben geprogrammeerd en 3D geprint.</a:t>
+              <a:t>Auto’s worden veiliger voor kinderen</a:t>
             </a:r>
           </a:p>
           <a:p>
             <a:r>
               <a:rPr lang="nl-NL" sz="2400" dirty="0"/>
-              <a:t>Alle 4: het idee bedacht</a:t>
-            </a:r>
+              <a:t>Mensen willen hun kind beschermen</a:t>
+            </a:r>
+            <a:endParaRPr lang="nl-NL" dirty="0"/>
+          </a:p>
+          <a:p>
+            <a:endParaRPr lang="nl-NL" dirty="0"/>
           </a:p>
           <a:p>
             <a:endParaRPr lang="nl-NL" dirty="0"/>
@@ -6183,7 +6227,7 @@
     </p:spTree>
     <p:extLst>
       <p:ext uri="{BB962C8B-B14F-4D97-AF65-F5344CB8AC3E}">
-        <p14:creationId xmlns:p14="http://schemas.microsoft.com/office/powerpoint/2010/main" val="272833607"/>
+        <p14:creationId xmlns:p14="http://schemas.microsoft.com/office/powerpoint/2010/main" val="4027559653"/>
       </p:ext>
     </p:extLst>
   </p:cSld>
@@ -6215,7 +6259,7 @@
           <p:cNvPr id="2" name="Titel 1">
             <a:extLst>
               <a:ext uri="{FF2B5EF4-FFF2-40B4-BE49-F238E27FC236}">
-                <a16:creationId xmlns:a16="http://schemas.microsoft.com/office/drawing/2014/main" id="{163D1CD3-A2C5-44AB-92E8-6A4180211AC5}"/>
+                <a16:creationId xmlns:a16="http://schemas.microsoft.com/office/drawing/2014/main" id="{C42117AE-693A-46A0-A850-63F89000FEFB}"/>
               </a:ext>
             </a:extLst>
           </p:cNvPr>
@@ -6233,7 +6277,7 @@
           <a:p>
             <a:r>
               <a:rPr lang="nl-NL" dirty="0"/>
-              <a:t>Wat zijn de voordelen voor de fabrikant?</a:t>
+              <a:t>Waarom zou je het willen hebben</a:t>
             </a:r>
           </a:p>
         </p:txBody>
@@ -6243,7 +6287,7 @@
           <p:cNvPr id="3" name="Tijdelijke aanduiding voor inhoud 2">
             <a:extLst>
               <a:ext uri="{FF2B5EF4-FFF2-40B4-BE49-F238E27FC236}">
-                <a16:creationId xmlns:a16="http://schemas.microsoft.com/office/drawing/2014/main" id="{04C55983-3D7E-4325-B64D-EB709038FC67}"/>
+                <a16:creationId xmlns:a16="http://schemas.microsoft.com/office/drawing/2014/main" id="{29CE00C6-6CA6-482E-8EEC-EBA3C3C95AD4}"/>
               </a:ext>
             </a:extLst>
           </p:cNvPr>
@@ -6256,47 +6300,32 @@
         </p:nvSpPr>
         <p:spPr/>
         <p:txBody>
-          <a:bodyPr/>
+          <a:bodyPr>
+            <a:normAutofit/>
+          </a:bodyPr>
           <a:lstStyle/>
           <a:p>
             <a:r>
               <a:rPr lang="nl-NL" sz="2400" dirty="0"/>
-              <a:t>Auto’s worden veiliger.</a:t>
-            </a:r>
-          </a:p>
-          <a:p>
+              <a:t>Je wordt gewaarschuwd als het voor je kind gevaarlijk wordt</a:t>
+            </a:r>
+          </a:p>
+          <a:p>
+            <a:r>
+              <a:rPr lang="nl-NL" sz="2400"/>
+              <a:t>Ook als </a:t>
+            </a:r>
             <a:r>
               <a:rPr lang="nl-NL" sz="2400" dirty="0"/>
-              <a:t>Veel minder ongelukken met baby’s en huisdieren in de auto .</a:t>
-            </a:r>
-          </a:p>
-          <a:p>
-            <a:r>
-              <a:rPr lang="nl-NL" sz="2400" dirty="0"/>
-              <a:t>Het is makkelijk te installeren.</a:t>
-            </a:r>
-          </a:p>
-          <a:p>
-            <a:r>
-              <a:rPr lang="nl-NL" sz="2400" dirty="0"/>
-              <a:t>Je maakt gebruik van sensoren  die al in de auto zitten</a:t>
-            </a:r>
-          </a:p>
-          <a:p>
-            <a:endParaRPr lang="nl-NL" dirty="0"/>
-          </a:p>
-          <a:p>
-            <a:endParaRPr lang="nl-NL" dirty="0"/>
-          </a:p>
-          <a:p>
-            <a:endParaRPr lang="nl-NL" dirty="0"/>
+              <a:t>jou iets overkomt, wordt de aandacht van de omgeving getrokken</a:t>
+            </a:r>
           </a:p>
         </p:txBody>
       </p:sp>
     </p:spTree>
     <p:extLst>
       <p:ext uri="{BB962C8B-B14F-4D97-AF65-F5344CB8AC3E}">
-        <p14:creationId xmlns:p14="http://schemas.microsoft.com/office/powerpoint/2010/main" val="4027559653"/>
+        <p14:creationId xmlns:p14="http://schemas.microsoft.com/office/powerpoint/2010/main" val="3093723872"/>
       </p:ext>
     </p:extLst>
   </p:cSld>
@@ -6328,7 +6357,7 @@
           <p:cNvPr id="2" name="Titel 1">
             <a:extLst>
               <a:ext uri="{FF2B5EF4-FFF2-40B4-BE49-F238E27FC236}">
-                <a16:creationId xmlns:a16="http://schemas.microsoft.com/office/drawing/2014/main" id="{C42117AE-693A-46A0-A850-63F89000FEFB}"/>
+                <a16:creationId xmlns:a16="http://schemas.microsoft.com/office/drawing/2014/main" id="{CDBDFFC9-D0D0-40EB-9FAD-FEF80588C37D}"/>
               </a:ext>
             </a:extLst>
           </p:cNvPr>
@@ -6346,7 +6375,7 @@
           <a:p>
             <a:r>
               <a:rPr lang="nl-NL" dirty="0"/>
-              <a:t>Waarom zou je het willen hebben</a:t>
+              <a:t>Wie deed wat</a:t>
             </a:r>
           </a:p>
         </p:txBody>
@@ -6356,7 +6385,7 @@
           <p:cNvPr id="3" name="Tijdelijke aanduiding voor inhoud 2">
             <a:extLst>
               <a:ext uri="{FF2B5EF4-FFF2-40B4-BE49-F238E27FC236}">
-                <a16:creationId xmlns:a16="http://schemas.microsoft.com/office/drawing/2014/main" id="{29CE00C6-6CA6-482E-8EEC-EBA3C3C95AD4}"/>
+                <a16:creationId xmlns:a16="http://schemas.microsoft.com/office/drawing/2014/main" id="{F117218F-3DC1-49C4-8EF1-3BB5FF790899}"/>
               </a:ext>
             </a:extLst>
           </p:cNvPr>
@@ -6367,7 +6396,12 @@
             <p:ph idx="1"/>
           </p:nvPr>
         </p:nvSpPr>
-        <p:spPr/>
+        <p:spPr>
+          <a:xfrm>
+            <a:off x="677334" y="1930400"/>
+            <a:ext cx="8596668" cy="4318000"/>
+          </a:xfrm>
+        </p:spPr>
         <p:txBody>
           <a:bodyPr>
             <a:normAutofit/>
@@ -6376,21 +6410,98 @@
           <a:p>
             <a:r>
               <a:rPr lang="nl-NL" sz="2400" dirty="0"/>
-              <a:t>Per jaar overleiden er ongeveer 37 zuigelingen door hitte  in auto’s. </a:t>
-            </a:r>
-          </a:p>
-          <a:p>
+              <a:t>Dominique: 			Inrichting autobank</a:t>
+            </a:r>
+          </a:p>
+          <a:p>
+            <a:pPr marL="3200400" lvl="7" indent="0">
+              <a:buNone/>
+            </a:pPr>
             <a:r>
               <a:rPr lang="nl-NL" sz="2400" dirty="0"/>
-              <a:t>Wat wij veel te veel vinden daarom hebben we dit bedacht.</a:t>
-            </a:r>
+              <a:t>Demo-video</a:t>
+            </a:r>
+          </a:p>
+          <a:p>
+            <a:pPr marL="3200400" lvl="7" indent="0">
+              <a:buNone/>
+            </a:pPr>
+            <a:endParaRPr lang="nl-NL" sz="400" dirty="0"/>
+          </a:p>
+          <a:p>
+            <a:r>
+              <a:rPr lang="nl-NL" sz="2400" dirty="0"/>
+              <a:t>Justin: 					Solderen</a:t>
+            </a:r>
+          </a:p>
+          <a:p>
+            <a:pPr marL="3200400" lvl="7" indent="0">
+              <a:buNone/>
+            </a:pPr>
+            <a:r>
+              <a:rPr lang="nl-NL" sz="2400" dirty="0"/>
+              <a:t>Programmeren</a:t>
+            </a:r>
+          </a:p>
+          <a:p>
+            <a:pPr marL="3200400" lvl="7" indent="0">
+              <a:buNone/>
+            </a:pPr>
+            <a:endParaRPr lang="nl-NL" sz="400" dirty="0"/>
+          </a:p>
+          <a:p>
+            <a:r>
+              <a:rPr lang="nl-NL" sz="2400" dirty="0" err="1"/>
+              <a:t>Kaynean</a:t>
+            </a:r>
+            <a:r>
+              <a:rPr lang="nl-NL" sz="2400" dirty="0"/>
+              <a:t>:				3D-ontwerp </a:t>
+            </a:r>
+            <a:r>
+              <a:rPr lang="nl-NL" sz="2400" dirty="0" err="1"/>
+              <a:t>binnenlamp</a:t>
+            </a:r>
+            <a:endParaRPr lang="nl-NL" sz="2400" dirty="0"/>
+          </a:p>
+          <a:p>
+            <a:pPr marL="3200400" lvl="7" indent="0">
+              <a:buNone/>
+            </a:pPr>
+            <a:r>
+              <a:rPr lang="nl-NL" sz="2400" dirty="0"/>
+              <a:t>Demo-video, montage</a:t>
+            </a:r>
+          </a:p>
+          <a:p>
+            <a:pPr marL="3200400" lvl="7" indent="0">
+              <a:buNone/>
+            </a:pPr>
+            <a:endParaRPr lang="nl-NL" sz="400" dirty="0"/>
+          </a:p>
+          <a:p>
+            <a:r>
+              <a:rPr lang="nl-NL" sz="2400" dirty="0"/>
+              <a:t>Dylan:					3D-ontwerp </a:t>
+            </a:r>
+            <a:r>
+              <a:rPr lang="nl-NL" sz="2400" dirty="0" err="1"/>
+              <a:t>binnenlamp</a:t>
+            </a:r>
+            <a:endParaRPr lang="nl-NL" sz="2400" dirty="0"/>
+          </a:p>
+          <a:p>
+            <a:pPr marL="0" indent="0">
+              <a:buNone/>
+            </a:pPr>
+            <a:endParaRPr lang="nl-NL" dirty="0"/>
           </a:p>
         </p:txBody>
       </p:sp>
     </p:spTree>
     <p:extLst>
       <p:ext uri="{BB962C8B-B14F-4D97-AF65-F5344CB8AC3E}">
-        <p14:creationId xmlns:p14="http://schemas.microsoft.com/office/powerpoint/2010/main" val="3093723872"/>
+        <p14:creationId xmlns:p14="http://schemas.microsoft.com/office/powerpoint/2010/main" val="272833607"/>
       </p:ext>
     </p:extLst>
   </p:cSld>
@@ -6440,7 +6551,15 @@
           <a:p>
             <a:r>
               <a:rPr lang="nl-NL" dirty="0"/>
-              <a:t>Bedankt voor de aandacht</a:t>
+              <a:t>Bedankt </a:t>
+            </a:r>
+            <a:r>
+              <a:rPr lang="nl-NL"/>
+              <a:t>voor uw </a:t>
+            </a:r>
+            <a:r>
+              <a:rPr lang="nl-NL" dirty="0"/>
+              <a:t>aandacht</a:t>
             </a:r>
           </a:p>
         </p:txBody>
